--- a/Cluster rešenja kod PostgreSQL baze podataka.pptx
+++ b/Cluster rešenja kod PostgreSQL baze podataka.pptx
@@ -19055,7 +19055,7 @@
         </p:nvSpPr>
         <p:spPr>
           <a:xfrm>
-            <a:off x="4463104" y="1925768"/>
+            <a:off x="4472290" y="2134329"/>
             <a:ext cx="4063933" cy="307777"/>
           </a:xfrm>
           <a:prstGeom prst="rect">
@@ -19125,7 +19125,7 @@
         </p:blipFill>
         <p:spPr>
           <a:xfrm>
-            <a:off x="4304714" y="2366273"/>
+            <a:off x="4304715" y="2486837"/>
             <a:ext cx="4839285" cy="674071"/>
           </a:xfrm>
           <a:prstGeom prst="roundRect">
@@ -19190,7 +19190,7 @@
       </p:sp>
       <p:pic>
         <p:nvPicPr>
-          <p:cNvPr id="15" name="Picture 14"/>
+          <p:cNvPr id="18" name="Picture 17"/>
           <p:cNvPicPr/>
           <p:nvPr/>
         </p:nvPicPr>
@@ -19208,8 +19208,8 @@
         </p:blipFill>
         <p:spPr>
           <a:xfrm>
-            <a:off x="4607169" y="4192283"/>
-            <a:ext cx="2184009" cy="904009"/>
+            <a:off x="3995200" y="1826141"/>
+            <a:ext cx="4899660" cy="327660"/>
           </a:xfrm>
           <a:prstGeom prst="roundRect">
             <a:avLst>
@@ -19231,7 +19231,7 @@
       </p:pic>
       <p:pic>
         <p:nvPicPr>
-          <p:cNvPr id="16" name="Picture 15"/>
+          <p:cNvPr id="19" name="Picture 18"/>
           <p:cNvPicPr/>
           <p:nvPr/>
         </p:nvPicPr>
@@ -19249,8 +19249,8 @@
         </p:blipFill>
         <p:spPr>
           <a:xfrm>
-            <a:off x="7095979" y="4100722"/>
-            <a:ext cx="1858108" cy="948839"/>
+            <a:off x="2513551" y="4306958"/>
+            <a:ext cx="1958740" cy="594745"/>
           </a:xfrm>
           <a:prstGeom prst="roundRect">
             <a:avLst>
@@ -19272,7 +19272,7 @@
       </p:pic>
       <p:pic>
         <p:nvPicPr>
-          <p:cNvPr id="17" name="Picture 16"/>
+          <p:cNvPr id="20" name="Picture 19"/>
           <p:cNvPicPr/>
           <p:nvPr/>
         </p:nvPicPr>
@@ -19290,8 +19290,49 @@
         </p:blipFill>
         <p:spPr>
           <a:xfrm>
-            <a:off x="2576860" y="4208300"/>
-            <a:ext cx="1886244" cy="815219"/>
+            <a:off x="4676304" y="4180180"/>
+            <a:ext cx="2215662" cy="801569"/>
+          </a:xfrm>
+          <a:prstGeom prst="roundRect">
+            <a:avLst>
+              <a:gd name="adj" fmla="val 8594"/>
+            </a:avLst>
+          </a:prstGeom>
+          <a:solidFill>
+            <a:srgbClr val="FFFFFF">
+              <a:shade val="85000"/>
+            </a:srgbClr>
+          </a:solidFill>
+          <a:ln>
+            <a:noFill/>
+          </a:ln>
+          <a:effectLst>
+            <a:reflection blurRad="12700" stA="38000" endPos="28000" dist="5000" dir="5400000" sy="-100000" algn="bl" rotWithShape="0"/>
+          </a:effectLst>
+        </p:spPr>
+      </p:pic>
+      <p:pic>
+        <p:nvPicPr>
+          <p:cNvPr id="21" name="Picture 20"/>
+          <p:cNvPicPr/>
+          <p:nvPr/>
+        </p:nvPicPr>
+        <p:blipFill>
+          <a:blip r:embed="rId9">
+            <a:extLst>
+              <a:ext uri="{28A0092B-C50C-407E-A947-70E740481C1C}">
+                <a14:useLocalDpi xmlns:a14="http://schemas.microsoft.com/office/drawing/2010/main" val="0"/>
+              </a:ext>
+            </a:extLst>
+          </a:blip>
+          <a:stretch>
+            <a:fillRect/>
+          </a:stretch>
+        </p:blipFill>
+        <p:spPr>
+          <a:xfrm>
+            <a:off x="6962335" y="4180180"/>
+            <a:ext cx="2037863" cy="753388"/>
           </a:xfrm>
           <a:prstGeom prst="roundRect">
             <a:avLst>
@@ -20249,8 +20290,8 @@
         </p:blipFill>
         <p:spPr>
           <a:xfrm>
-            <a:off x="4930246" y="4188332"/>
-            <a:ext cx="2342752" cy="847903"/>
+            <a:off x="4930246" y="4188333"/>
+            <a:ext cx="2293514" cy="566548"/>
           </a:xfrm>
           <a:prstGeom prst="roundRect">
             <a:avLst>
